--- a/files/2025_2_LM/1017_0105.pptx
+++ b/files/2025_2_LM/1017_0105.pptx
@@ -282,7 +282,7 @@
               <a:pPr>
                 <a:defRPr/>
               </a:pPr>
-              <a:t>2024/8/27</a:t>
+              <a:t>2025/10/17</a:t>
             </a:fld>
             <a:endParaRPr lang="zh-CN" altLang="en-US"/>
           </a:p>
@@ -1161,7 +1161,7 @@
               <a:pPr>
                 <a:defRPr/>
               </a:pPr>
-              <a:t>2024/8/27</a:t>
+              <a:t>2025/10/17</a:t>
             </a:fld>
             <a:endParaRPr lang="zh-CN" altLang="en-US"/>
           </a:p>
@@ -1419,7 +1419,7 @@
               <a:pPr>
                 <a:defRPr/>
               </a:pPr>
-              <a:t>2024/8/27</a:t>
+              <a:t>2025/10/17</a:t>
             </a:fld>
             <a:endParaRPr lang="zh-CN" altLang="en-US"/>
           </a:p>
@@ -4813,7 +4813,7 @@
               <a:pPr>
                 <a:defRPr/>
               </a:pPr>
-              <a:t>2024/8/27</a:t>
+              <a:t>2025/10/17</a:t>
             </a:fld>
             <a:endParaRPr lang="zh-CN" altLang="en-US"/>
           </a:p>
@@ -5031,7 +5031,7 @@
               <a:pPr>
                 <a:defRPr/>
               </a:pPr>
-              <a:t>2024/8/27</a:t>
+              <a:t>2025/10/17</a:t>
             </a:fld>
             <a:endParaRPr lang="zh-CN" altLang="en-US"/>
           </a:p>
@@ -9899,7 +9899,7 @@
       </p:sp>
       <p:sp>
         <p:nvSpPr>
-          <p:cNvPr id="5" name="Rectangle 4">
+          <p:cNvPr id="5" name="Date Placeholder 4">
             <a:extLst>
               <a:ext uri="{FF2B5EF4-FFF2-40B4-BE49-F238E27FC236}">
                 <a16:creationId xmlns:a16="http://schemas.microsoft.com/office/drawing/2014/main" id="{F9CA1BC0-DA59-4AE7-996B-37C7C5232720}"/>
@@ -9939,7 +9939,7 @@
       </p:sp>
       <p:sp>
         <p:nvSpPr>
-          <p:cNvPr id="6" name="Rectangle 5">
+          <p:cNvPr id="6" name="Footer Placeholder 5">
             <a:extLst>
               <a:ext uri="{FF2B5EF4-FFF2-40B4-BE49-F238E27FC236}">
                 <a16:creationId xmlns:a16="http://schemas.microsoft.com/office/drawing/2014/main" id="{94721AC6-AA19-4ACC-9723-B9CDDDC201B5}"/>
@@ -9979,7 +9979,7 @@
       </p:sp>
       <p:sp>
         <p:nvSpPr>
-          <p:cNvPr id="7" name="Rectangle 6">
+          <p:cNvPr id="7" name="Slide Number Placeholder 6">
             <a:extLst>
               <a:ext uri="{FF2B5EF4-FFF2-40B4-BE49-F238E27FC236}">
                 <a16:creationId xmlns:a16="http://schemas.microsoft.com/office/drawing/2014/main" id="{5EAAA4EE-D3DA-43A0-BE88-D590F25B53C6}"/>
@@ -14427,7 +14427,7 @@
       </p:sp>
       <p:sp>
         <p:nvSpPr>
-          <p:cNvPr id="5" name="Rectangle 4">
+          <p:cNvPr id="5" name="Date Placeholder 4">
             <a:extLst>
               <a:ext uri="{FF2B5EF4-FFF2-40B4-BE49-F238E27FC236}">
                 <a16:creationId xmlns:a16="http://schemas.microsoft.com/office/drawing/2014/main" id="{F14C59EC-2D83-4644-9FF6-91C5F0ABE1C5}"/>
@@ -14467,7 +14467,7 @@
       </p:sp>
       <p:sp>
         <p:nvSpPr>
-          <p:cNvPr id="6" name="Rectangle 5">
+          <p:cNvPr id="6" name="Footer Placeholder 5">
             <a:extLst>
               <a:ext uri="{FF2B5EF4-FFF2-40B4-BE49-F238E27FC236}">
                 <a16:creationId xmlns:a16="http://schemas.microsoft.com/office/drawing/2014/main" id="{CD383F13-0C98-4BF3-8523-314ACE8E1FC2}"/>
@@ -14507,7 +14507,7 @@
       </p:sp>
       <p:sp>
         <p:nvSpPr>
-          <p:cNvPr id="7" name="Rectangle 6">
+          <p:cNvPr id="7" name="Slide Number Placeholder 6">
             <a:extLst>
               <a:ext uri="{FF2B5EF4-FFF2-40B4-BE49-F238E27FC236}">
                 <a16:creationId xmlns:a16="http://schemas.microsoft.com/office/drawing/2014/main" id="{01F39952-6881-490F-B284-BB010281306A}"/>
@@ -14761,7 +14761,7 @@
       </p:sp>
       <p:sp>
         <p:nvSpPr>
-          <p:cNvPr id="5" name="Rectangle 4">
+          <p:cNvPr id="5" name="Date Placeholder 4">
             <a:extLst>
               <a:ext uri="{FF2B5EF4-FFF2-40B4-BE49-F238E27FC236}">
                 <a16:creationId xmlns:a16="http://schemas.microsoft.com/office/drawing/2014/main" id="{650C9107-412D-42F2-A220-A25A218FDA3E}"/>
@@ -14801,7 +14801,7 @@
       </p:sp>
       <p:sp>
         <p:nvSpPr>
-          <p:cNvPr id="6" name="Rectangle 5">
+          <p:cNvPr id="6" name="Footer Placeholder 5">
             <a:extLst>
               <a:ext uri="{FF2B5EF4-FFF2-40B4-BE49-F238E27FC236}">
                 <a16:creationId xmlns:a16="http://schemas.microsoft.com/office/drawing/2014/main" id="{1FEC7EFD-A8E4-4F78-90B4-0E1A3F97F664}"/>
@@ -14841,7 +14841,7 @@
       </p:sp>
       <p:sp>
         <p:nvSpPr>
-          <p:cNvPr id="7" name="Rectangle 6">
+          <p:cNvPr id="7" name="Slide Number Placeholder 6">
             <a:extLst>
               <a:ext uri="{FF2B5EF4-FFF2-40B4-BE49-F238E27FC236}">
                 <a16:creationId xmlns:a16="http://schemas.microsoft.com/office/drawing/2014/main" id="{EACF8D3B-A421-4610-91BC-08C96EAA9A3E}"/>
@@ -20575,7 +20575,7 @@
       <p:sp>
         <p:nvSpPr>
           <p:cNvPr id="48137" name="Rectangle 20">
-            <a:hlinkClick r:id="rId2" action="ppaction://hlinksldjump"/>
+            <a:hlinkClick r:id="rId3" action="ppaction://hlinksldjump"/>
             <a:extLst>
               <a:ext uri="{FF2B5EF4-FFF2-40B4-BE49-F238E27FC236}">
                 <a16:creationId xmlns:a16="http://schemas.microsoft.com/office/drawing/2014/main" id="{B0B12399-D0A8-438E-9A1E-DDE7D7D433C0}"/>
@@ -21191,12 +21191,12 @@
           <a:graphicData uri="http://schemas.openxmlformats.org/presentationml/2006/ole">
             <mc:AlternateContent xmlns:mc="http://schemas.openxmlformats.org/markup-compatibility/2006">
               <mc:Choice xmlns:v="urn:schemas-microsoft-com:vml" Requires="v">
-                <p:oleObj name="Equation" r:id="rId3" imgW="3576867" imgH="2016432" progId="Equation.DSMT4">
+                <p:oleObj spid="_x0000_s7169" name="Equation" r:id="rId4" imgW="3576867" imgH="2016432" progId="Equation.DSMT4">
                   <p:embed/>
                 </p:oleObj>
               </mc:Choice>
               <mc:Fallback>
-                <p:oleObj name="Equation" r:id="rId3" imgW="3576867" imgH="2016432" progId="Equation.DSMT4">
+                <p:oleObj name="Equation" r:id="rId4" imgW="3576867" imgH="2016432" progId="Equation.DSMT4">
                   <p:embed/>
                   <p:pic>
                     <p:nvPicPr>
@@ -21211,7 +21211,7 @@
                       <p:nvPr/>
                     </p:nvPicPr>
                     <p:blipFill>
-                      <a:blip r:embed="rId4"/>
+                      <a:blip r:embed="rId5"/>
                       <a:stretch>
                         <a:fillRect/>
                       </a:stretch>
@@ -21403,12 +21403,12 @@
           <a:graphicData uri="http://schemas.openxmlformats.org/presentationml/2006/ole">
             <mc:AlternateContent xmlns:mc="http://schemas.openxmlformats.org/markup-compatibility/2006">
               <mc:Choice xmlns:v="urn:schemas-microsoft-com:vml" Requires="v">
-                <p:oleObj name="Equation" r:id="rId5" imgW="596880" imgH="203040" progId="Equation.DSMT4">
+                <p:oleObj spid="_x0000_s7170" name="Equation" r:id="rId6" imgW="596880" imgH="203040" progId="Equation.DSMT4">
                   <p:embed/>
                 </p:oleObj>
               </mc:Choice>
               <mc:Fallback>
-                <p:oleObj name="Equation" r:id="rId5" imgW="596880" imgH="203040" progId="Equation.DSMT4">
+                <p:oleObj name="Equation" r:id="rId6" imgW="596880" imgH="203040" progId="Equation.DSMT4">
                   <p:embed/>
                   <p:pic>
                     <p:nvPicPr>
@@ -21423,7 +21423,7 @@
                       <p:nvPr/>
                     </p:nvPicPr>
                     <p:blipFill>
-                      <a:blip r:embed="rId6"/>
+                      <a:blip r:embed="rId7"/>
                       <a:stretch>
                         <a:fillRect/>
                       </a:stretch>
@@ -21472,12 +21472,12 @@
           <a:graphicData uri="http://schemas.openxmlformats.org/presentationml/2006/ole">
             <mc:AlternateContent xmlns:mc="http://schemas.openxmlformats.org/markup-compatibility/2006">
               <mc:Choice xmlns:v="urn:schemas-microsoft-com:vml" Requires="v">
-                <p:oleObj name="Equation" r:id="rId7" imgW="1371600" imgH="787320" progId="Equation.DSMT4">
+                <p:oleObj spid="_x0000_s7171" name="Equation" r:id="rId8" imgW="1371600" imgH="787320" progId="Equation.DSMT4">
                   <p:embed/>
                 </p:oleObj>
               </mc:Choice>
               <mc:Fallback>
-                <p:oleObj name="Equation" r:id="rId7" imgW="1371600" imgH="787320" progId="Equation.DSMT4">
+                <p:oleObj name="Equation" r:id="rId8" imgW="1371600" imgH="787320" progId="Equation.DSMT4">
                   <p:embed/>
                   <p:pic>
                     <p:nvPicPr>
@@ -21492,7 +21492,7 @@
                       <p:nvPr/>
                     </p:nvPicPr>
                     <p:blipFill>
-                      <a:blip r:embed="rId8"/>
+                      <a:blip r:embed="rId9"/>
                       <a:stretch>
                         <a:fillRect/>
                       </a:stretch>
@@ -21844,7 +21844,7 @@
       <p:sp>
         <p:nvSpPr>
           <p:cNvPr id="48137" name="Rectangle 20">
-            <a:hlinkClick r:id="rId2" action="ppaction://hlinksldjump"/>
+            <a:hlinkClick r:id="rId3" action="ppaction://hlinksldjump"/>
             <a:extLst>
               <a:ext uri="{FF2B5EF4-FFF2-40B4-BE49-F238E27FC236}">
                 <a16:creationId xmlns:a16="http://schemas.microsoft.com/office/drawing/2014/main" id="{B0B12399-D0A8-438E-9A1E-DDE7D7D433C0}"/>
@@ -22378,12 +22378,12 @@
           <a:graphicData uri="http://schemas.openxmlformats.org/presentationml/2006/ole">
             <mc:AlternateContent xmlns:mc="http://schemas.openxmlformats.org/markup-compatibility/2006">
               <mc:Choice xmlns:v="urn:schemas-microsoft-com:vml" Requires="v">
-                <p:oleObj name="Equation" r:id="rId3" imgW="3958135" imgH="1688821" progId="Equation.DSMT4">
+                <p:oleObj spid="_x0000_s8193" name="Equation" r:id="rId4" imgW="3958135" imgH="1688821" progId="Equation.DSMT4">
                   <p:embed/>
                 </p:oleObj>
               </mc:Choice>
               <mc:Fallback>
-                <p:oleObj name="Equation" r:id="rId3" imgW="3958135" imgH="1688821" progId="Equation.DSMT4">
+                <p:oleObj name="Equation" r:id="rId4" imgW="3958135" imgH="1688821" progId="Equation.DSMT4">
                   <p:embed/>
                   <p:pic>
                     <p:nvPicPr>
@@ -22398,7 +22398,7 @@
                       <p:nvPr/>
                     </p:nvPicPr>
                     <p:blipFill>
-                      <a:blip r:embed="rId4"/>
+                      <a:blip r:embed="rId5"/>
                       <a:stretch>
                         <a:fillRect/>
                       </a:stretch>
@@ -22447,12 +22447,12 @@
           <a:graphicData uri="http://schemas.openxmlformats.org/presentationml/2006/ole">
             <mc:AlternateContent xmlns:mc="http://schemas.openxmlformats.org/markup-compatibility/2006">
               <mc:Choice xmlns:v="urn:schemas-microsoft-com:vml" Requires="v">
-                <p:oleObj name="Equation" r:id="rId5" imgW="1930320" imgH="787320" progId="Equation.DSMT4">
+                <p:oleObj spid="_x0000_s8194" name="Equation" r:id="rId6" imgW="1930320" imgH="787320" progId="Equation.DSMT4">
                   <p:embed/>
                 </p:oleObj>
               </mc:Choice>
               <mc:Fallback>
-                <p:oleObj name="Equation" r:id="rId5" imgW="1930320" imgH="787320" progId="Equation.DSMT4">
+                <p:oleObj name="Equation" r:id="rId6" imgW="1930320" imgH="787320" progId="Equation.DSMT4">
                   <p:embed/>
                   <p:pic>
                     <p:nvPicPr>
@@ -22469,7 +22469,7 @@
                       <p:nvPr/>
                     </p:nvPicPr>
                     <p:blipFill>
-                      <a:blip r:embed="rId6"/>
+                      <a:blip r:embed="rId7"/>
                       <a:srcRect/>
                       <a:stretch>
                         <a:fillRect/>
@@ -22523,12 +22523,12 @@
           <a:graphicData uri="http://schemas.openxmlformats.org/presentationml/2006/ole">
             <mc:AlternateContent xmlns:mc="http://schemas.openxmlformats.org/markup-compatibility/2006">
               <mc:Choice xmlns:v="urn:schemas-microsoft-com:vml" Requires="v">
-                <p:oleObj name="Equation" r:id="rId7" imgW="3986937" imgH="1688821" progId="Equation.DSMT4">
+                <p:oleObj spid="_x0000_s8195" name="Equation" r:id="rId8" imgW="3986937" imgH="1688821" progId="Equation.DSMT4">
                   <p:embed/>
                 </p:oleObj>
               </mc:Choice>
               <mc:Fallback>
-                <p:oleObj name="Equation" r:id="rId7" imgW="3986937" imgH="1688821" progId="Equation.DSMT4">
+                <p:oleObj name="Equation" r:id="rId8" imgW="3986937" imgH="1688821" progId="Equation.DSMT4">
                   <p:embed/>
                   <p:pic>
                     <p:nvPicPr>
@@ -22543,7 +22543,7 @@
                       <p:nvPr/>
                     </p:nvPicPr>
                     <p:blipFill>
-                      <a:blip r:embed="rId8"/>
+                      <a:blip r:embed="rId9"/>
                       <a:stretch>
                         <a:fillRect/>
                       </a:stretch>
@@ -22592,12 +22592,12 @@
           <a:graphicData uri="http://schemas.openxmlformats.org/presentationml/2006/ole">
             <mc:AlternateContent xmlns:mc="http://schemas.openxmlformats.org/markup-compatibility/2006">
               <mc:Choice xmlns:v="urn:schemas-microsoft-com:vml" Requires="v">
-                <p:oleObj name="Equation" r:id="rId9" imgW="3795043" imgH="1688821" progId="Equation.DSMT4">
+                <p:oleObj spid="_x0000_s8196" name="Equation" r:id="rId10" imgW="3795043" imgH="1688821" progId="Equation.DSMT4">
                   <p:embed/>
                 </p:oleObj>
               </mc:Choice>
               <mc:Fallback>
-                <p:oleObj name="Equation" r:id="rId9" imgW="3795043" imgH="1688821" progId="Equation.DSMT4">
+                <p:oleObj name="Equation" r:id="rId10" imgW="3795043" imgH="1688821" progId="Equation.DSMT4">
                   <p:embed/>
                   <p:pic>
                     <p:nvPicPr>
@@ -22612,7 +22612,7 @@
                       <p:nvPr/>
                     </p:nvPicPr>
                     <p:blipFill>
-                      <a:blip r:embed="rId10"/>
+                      <a:blip r:embed="rId11"/>
                       <a:stretch>
                         <a:fillRect/>
                       </a:stretch>
@@ -22699,12 +22699,12 @@
           <a:graphicData uri="http://schemas.openxmlformats.org/presentationml/2006/ole">
             <mc:AlternateContent xmlns:mc="http://schemas.openxmlformats.org/markup-compatibility/2006">
               <mc:Choice xmlns:v="urn:schemas-microsoft-com:vml" Requires="v">
-                <p:oleObj name="Equation" r:id="rId11" imgW="1155600" imgH="393480" progId="Equation.DSMT4">
+                <p:oleObj spid="_x0000_s8197" name="Equation" r:id="rId12" imgW="1155600" imgH="393480" progId="Equation.DSMT4">
                   <p:embed/>
                 </p:oleObj>
               </mc:Choice>
               <mc:Fallback>
-                <p:oleObj name="Equation" r:id="rId11" imgW="1155600" imgH="393480" progId="Equation.DSMT4">
+                <p:oleObj name="Equation" r:id="rId12" imgW="1155600" imgH="393480" progId="Equation.DSMT4">
                   <p:embed/>
                   <p:pic>
                     <p:nvPicPr>
@@ -22721,7 +22721,7 @@
                       <p:nvPr/>
                     </p:nvPicPr>
                     <p:blipFill>
-                      <a:blip r:embed="rId12"/>
+                      <a:blip r:embed="rId13"/>
                       <a:srcRect/>
                       <a:stretch>
                         <a:fillRect/>
@@ -22775,12 +22775,12 @@
           <a:graphicData uri="http://schemas.openxmlformats.org/presentationml/2006/ole">
             <mc:AlternateContent xmlns:mc="http://schemas.openxmlformats.org/markup-compatibility/2006">
               <mc:Choice xmlns:v="urn:schemas-microsoft-com:vml" Requires="v">
-                <p:oleObj name="Equation" r:id="rId13" imgW="1155600" imgH="393480" progId="Equation.DSMT4">
+                <p:oleObj spid="_x0000_s8198" name="Equation" r:id="rId14" imgW="1155600" imgH="393480" progId="Equation.DSMT4">
                   <p:embed/>
                 </p:oleObj>
               </mc:Choice>
               <mc:Fallback>
-                <p:oleObj name="Equation" r:id="rId13" imgW="1155600" imgH="393480" progId="Equation.DSMT4">
+                <p:oleObj name="Equation" r:id="rId14" imgW="1155600" imgH="393480" progId="Equation.DSMT4">
                   <p:embed/>
                   <p:pic>
                     <p:nvPicPr>
@@ -22797,7 +22797,7 @@
                       <p:nvPr/>
                     </p:nvPicPr>
                     <p:blipFill>
-                      <a:blip r:embed="rId14"/>
+                      <a:blip r:embed="rId15"/>
                       <a:srcRect/>
                       <a:stretch>
                         <a:fillRect/>
@@ -22851,12 +22851,12 @@
           <a:graphicData uri="http://schemas.openxmlformats.org/presentationml/2006/ole">
             <mc:AlternateContent xmlns:mc="http://schemas.openxmlformats.org/markup-compatibility/2006">
               <mc:Choice xmlns:v="urn:schemas-microsoft-com:vml" Requires="v">
-                <p:oleObj name="Equation" r:id="rId15" imgW="1422360" imgH="393480" progId="Equation.DSMT4">
+                <p:oleObj spid="_x0000_s8199" name="Equation" r:id="rId16" imgW="1422360" imgH="393480" progId="Equation.DSMT4">
                   <p:embed/>
                 </p:oleObj>
               </mc:Choice>
               <mc:Fallback>
-                <p:oleObj name="Equation" r:id="rId15" imgW="1422360" imgH="393480" progId="Equation.DSMT4">
+                <p:oleObj name="Equation" r:id="rId16" imgW="1422360" imgH="393480" progId="Equation.DSMT4">
                   <p:embed/>
                   <p:pic>
                     <p:nvPicPr>
@@ -22873,7 +22873,7 @@
                       <p:nvPr/>
                     </p:nvPicPr>
                     <p:blipFill>
-                      <a:blip r:embed="rId16"/>
+                      <a:blip r:embed="rId17"/>
                       <a:srcRect/>
                       <a:stretch>
                         <a:fillRect/>
@@ -22927,12 +22927,12 @@
           <a:graphicData uri="http://schemas.openxmlformats.org/presentationml/2006/ole">
             <mc:AlternateContent xmlns:mc="http://schemas.openxmlformats.org/markup-compatibility/2006">
               <mc:Choice xmlns:v="urn:schemas-microsoft-com:vml" Requires="v">
-                <p:oleObj name="Equation" r:id="rId17" imgW="1333440" imgH="406080" progId="Equation.DSMT4">
+                <p:oleObj spid="_x0000_s8200" name="Equation" r:id="rId18" imgW="1333440" imgH="406080" progId="Equation.DSMT4">
                   <p:embed/>
                 </p:oleObj>
               </mc:Choice>
               <mc:Fallback>
-                <p:oleObj name="Equation" r:id="rId17" imgW="1333440" imgH="406080" progId="Equation.DSMT4">
+                <p:oleObj name="Equation" r:id="rId18" imgW="1333440" imgH="406080" progId="Equation.DSMT4">
                   <p:embed/>
                   <p:pic>
                     <p:nvPicPr>
@@ -22949,7 +22949,7 @@
                       <p:nvPr/>
                     </p:nvPicPr>
                     <p:blipFill>
-                      <a:blip r:embed="rId18"/>
+                      <a:blip r:embed="rId19"/>
                       <a:srcRect/>
                       <a:stretch>
                         <a:fillRect/>
@@ -23497,7 +23497,7 @@
       <p:sp>
         <p:nvSpPr>
           <p:cNvPr id="48137" name="Rectangle 20">
-            <a:hlinkClick r:id="rId2" action="ppaction://hlinksldjump"/>
+            <a:hlinkClick r:id="rId3" action="ppaction://hlinksldjump"/>
             <a:extLst>
               <a:ext uri="{FF2B5EF4-FFF2-40B4-BE49-F238E27FC236}">
                 <a16:creationId xmlns:a16="http://schemas.microsoft.com/office/drawing/2014/main" id="{B0B12399-D0A8-438E-9A1E-DDE7D7D433C0}"/>
@@ -24478,12 +24478,12 @@
           <a:graphicData uri="http://schemas.openxmlformats.org/presentationml/2006/ole">
             <mc:AlternateContent xmlns:mc="http://schemas.openxmlformats.org/markup-compatibility/2006">
               <mc:Choice xmlns:v="urn:schemas-microsoft-com:vml" Requires="v">
-                <p:oleObj name="Equation" r:id="rId3" imgW="2933640" imgH="253800" progId="Equation.DSMT4">
+                <p:oleObj spid="_x0000_s9217" name="Equation" r:id="rId4" imgW="2933640" imgH="253800" progId="Equation.DSMT4">
                   <p:embed/>
                 </p:oleObj>
               </mc:Choice>
               <mc:Fallback>
-                <p:oleObj name="Equation" r:id="rId3" imgW="2933640" imgH="253800" progId="Equation.DSMT4">
+                <p:oleObj name="Equation" r:id="rId4" imgW="2933640" imgH="253800" progId="Equation.DSMT4">
                   <p:embed/>
                   <p:pic>
                     <p:nvPicPr>
@@ -24500,7 +24500,7 @@
                       <p:nvPr/>
                     </p:nvPicPr>
                     <p:blipFill>
-                      <a:blip r:embed="rId4"/>
+                      <a:blip r:embed="rId5"/>
                       <a:srcRect/>
                       <a:stretch>
                         <a:fillRect/>
@@ -24592,12 +24592,12 @@
           <a:graphicData uri="http://schemas.openxmlformats.org/presentationml/2006/ole">
             <mc:AlternateContent xmlns:mc="http://schemas.openxmlformats.org/markup-compatibility/2006">
               <mc:Choice xmlns:v="urn:schemas-microsoft-com:vml" Requires="v">
-                <p:oleObj name="Equation" r:id="rId5" imgW="5270073" imgH="2232800" progId="Equation.DSMT4">
+                <p:oleObj spid="_x0000_s9218" name="Equation" r:id="rId6" imgW="5270073" imgH="2232800" progId="Equation.DSMT4">
                   <p:embed/>
                 </p:oleObj>
               </mc:Choice>
               <mc:Fallback>
-                <p:oleObj name="Equation" r:id="rId5" imgW="5270073" imgH="2232800" progId="Equation.DSMT4">
+                <p:oleObj name="Equation" r:id="rId6" imgW="5270073" imgH="2232800" progId="Equation.DSMT4">
                   <p:embed/>
                   <p:pic>
                     <p:nvPicPr>
@@ -24612,7 +24612,7 @@
                       <p:nvPr/>
                     </p:nvPicPr>
                     <p:blipFill>
-                      <a:blip r:embed="rId6"/>
+                      <a:blip r:embed="rId7"/>
                       <a:stretch>
                         <a:fillRect/>
                       </a:stretch>
@@ -24707,12 +24707,12 @@
           <a:graphicData uri="http://schemas.openxmlformats.org/presentationml/2006/ole">
             <mc:AlternateContent xmlns:mc="http://schemas.openxmlformats.org/markup-compatibility/2006">
               <mc:Choice xmlns:v="urn:schemas-microsoft-com:vml" Requires="v">
-                <p:oleObj name="Equation" r:id="rId7" imgW="419040" imgH="228600" progId="Equation.DSMT4">
+                <p:oleObj spid="_x0000_s9219" name="Equation" r:id="rId8" imgW="419040" imgH="228600" progId="Equation.DSMT4">
                   <p:embed/>
                 </p:oleObj>
               </mc:Choice>
               <mc:Fallback>
-                <p:oleObj name="Equation" r:id="rId7" imgW="419040" imgH="228600" progId="Equation.DSMT4">
+                <p:oleObj name="Equation" r:id="rId8" imgW="419040" imgH="228600" progId="Equation.DSMT4">
                   <p:embed/>
                   <p:pic>
                     <p:nvPicPr>
@@ -24729,7 +24729,7 @@
                       <p:nvPr/>
                     </p:nvPicPr>
                     <p:blipFill>
-                      <a:blip r:embed="rId8"/>
+                      <a:blip r:embed="rId9"/>
                       <a:srcRect/>
                       <a:stretch>
                         <a:fillRect/>
@@ -25270,7 +25270,7 @@
       <p:sp>
         <p:nvSpPr>
           <p:cNvPr id="48137" name="Rectangle 20">
-            <a:hlinkClick r:id="rId2" action="ppaction://hlinksldjump"/>
+            <a:hlinkClick r:id="rId3" action="ppaction://hlinksldjump"/>
             <a:extLst>
               <a:ext uri="{FF2B5EF4-FFF2-40B4-BE49-F238E27FC236}">
                 <a16:creationId xmlns:a16="http://schemas.microsoft.com/office/drawing/2014/main" id="{B0B12399-D0A8-438E-9A1E-DDE7D7D433C0}"/>
@@ -26251,12 +26251,12 @@
           <a:graphicData uri="http://schemas.openxmlformats.org/presentationml/2006/ole">
             <mc:AlternateContent xmlns:mc="http://schemas.openxmlformats.org/markup-compatibility/2006">
               <mc:Choice xmlns:v="urn:schemas-microsoft-com:vml" Requires="v">
-                <p:oleObj name="Equation" r:id="rId3" imgW="4232116" imgH="1906628" progId="Equation.DSMT4">
+                <p:oleObj spid="_x0000_s10241" name="Equation" r:id="rId4" imgW="4232116" imgH="1906628" progId="Equation.DSMT4">
                   <p:embed/>
                 </p:oleObj>
               </mc:Choice>
               <mc:Fallback>
-                <p:oleObj name="Equation" r:id="rId3" imgW="4232116" imgH="1906628" progId="Equation.DSMT4">
+                <p:oleObj name="Equation" r:id="rId4" imgW="4232116" imgH="1906628" progId="Equation.DSMT4">
                   <p:embed/>
                   <p:pic>
                     <p:nvPicPr>
@@ -26271,7 +26271,7 @@
                       <p:nvPr/>
                     </p:nvPicPr>
                     <p:blipFill>
-                      <a:blip r:embed="rId4"/>
+                      <a:blip r:embed="rId5"/>
                       <a:stretch>
                         <a:fillRect/>
                       </a:stretch>
@@ -26320,12 +26320,12 @@
           <a:graphicData uri="http://schemas.openxmlformats.org/presentationml/2006/ole">
             <mc:AlternateContent xmlns:mc="http://schemas.openxmlformats.org/markup-compatibility/2006">
               <mc:Choice xmlns:v="urn:schemas-microsoft-com:vml" Requires="v">
-                <p:oleObj name="Equation" r:id="rId5" imgW="3549505" imgH="816869" progId="Equation.DSMT4">
+                <p:oleObj spid="_x0000_s10242" name="Equation" r:id="rId6" imgW="3549505" imgH="816869" progId="Equation.DSMT4">
                   <p:embed/>
                 </p:oleObj>
               </mc:Choice>
               <mc:Fallback>
-                <p:oleObj name="Equation" r:id="rId5" imgW="3549505" imgH="816869" progId="Equation.DSMT4">
+                <p:oleObj name="Equation" r:id="rId6" imgW="3549505" imgH="816869" progId="Equation.DSMT4">
                   <p:embed/>
                   <p:pic>
                     <p:nvPicPr>
@@ -26340,7 +26340,7 @@
                       <p:nvPr/>
                     </p:nvPicPr>
                     <p:blipFill>
-                      <a:blip r:embed="rId6"/>
+                      <a:blip r:embed="rId7"/>
                       <a:stretch>
                         <a:fillRect/>
                       </a:stretch>
@@ -31215,7 +31215,7 @@
       <p:sp>
         <p:nvSpPr>
           <p:cNvPr id="45058" name="Rectangle 20">
-            <a:hlinkClick r:id="rId2" action="ppaction://hlinksldjump"/>
+            <a:hlinkClick r:id="rId3" action="ppaction://hlinksldjump"/>
             <a:extLst>
               <a:ext uri="{FF2B5EF4-FFF2-40B4-BE49-F238E27FC236}">
                 <a16:creationId xmlns:a16="http://schemas.microsoft.com/office/drawing/2014/main" id="{6ED1EF79-A7DA-43D6-9844-52236878D557}"/>
@@ -31952,12 +31952,12 @@
           <a:graphicData uri="http://schemas.openxmlformats.org/presentationml/2006/ole">
             <mc:AlternateContent xmlns:mc="http://schemas.openxmlformats.org/markup-compatibility/2006">
               <mc:Choice xmlns:v="urn:schemas-microsoft-com:vml" Requires="v">
-                <p:oleObj name="Equation" r:id="rId3" imgW="2171520" imgH="799920" progId="Equation.DSMT4">
+                <p:oleObj spid="_x0000_s1025" name="Equation" r:id="rId4" imgW="2171520" imgH="799920" progId="Equation.DSMT4">
                   <p:embed/>
                 </p:oleObj>
               </mc:Choice>
               <mc:Fallback>
-                <p:oleObj name="Equation" r:id="rId3" imgW="2171520" imgH="799920" progId="Equation.DSMT4">
+                <p:oleObj name="Equation" r:id="rId4" imgW="2171520" imgH="799920" progId="Equation.DSMT4">
                   <p:embed/>
                   <p:pic>
                     <p:nvPicPr>
@@ -31972,7 +31972,7 @@
                       <p:nvPr/>
                     </p:nvPicPr>
                     <p:blipFill>
-                      <a:blip r:embed="rId4"/>
+                      <a:blip r:embed="rId5"/>
                       <a:stretch>
                         <a:fillRect/>
                       </a:stretch>
@@ -32965,12 +32965,12 @@
           <a:graphicData uri="http://schemas.openxmlformats.org/presentationml/2006/ole">
             <mc:AlternateContent xmlns:mc="http://schemas.openxmlformats.org/markup-compatibility/2006">
               <mc:Choice xmlns:v="urn:schemas-microsoft-com:vml" Requires="v">
-                <p:oleObj name="Equation" r:id="rId2" imgW="1587240" imgH="799920" progId="Equation.DSMT4">
+                <p:oleObj spid="_x0000_s2049" name="Equation" r:id="rId3" imgW="1587240" imgH="799920" progId="Equation.DSMT4">
                   <p:embed/>
                 </p:oleObj>
               </mc:Choice>
               <mc:Fallback>
-                <p:oleObj name="Equation" r:id="rId2" imgW="1587240" imgH="799920" progId="Equation.DSMT4">
+                <p:oleObj name="Equation" r:id="rId3" imgW="1587240" imgH="799920" progId="Equation.DSMT4">
                   <p:embed/>
                   <p:pic>
                     <p:nvPicPr>
@@ -32985,7 +32985,7 @@
                       <p:nvPr/>
                     </p:nvPicPr>
                     <p:blipFill>
-                      <a:blip r:embed="rId3"/>
+                      <a:blip r:embed="rId4"/>
                       <a:stretch>
                         <a:fillRect/>
                       </a:stretch>
@@ -33034,12 +33034,12 @@
           <a:graphicData uri="http://schemas.openxmlformats.org/presentationml/2006/ole">
             <mc:AlternateContent xmlns:mc="http://schemas.openxmlformats.org/markup-compatibility/2006">
               <mc:Choice xmlns:v="urn:schemas-microsoft-com:vml" Requires="v">
-                <p:oleObj name="Equation" r:id="rId4" imgW="5669343" imgH="1726982" progId="Equation.DSMT4">
+                <p:oleObj spid="_x0000_s2050" name="Equation" r:id="rId5" imgW="5669343" imgH="1726982" progId="Equation.DSMT4">
                   <p:embed/>
                 </p:oleObj>
               </mc:Choice>
               <mc:Fallback>
-                <p:oleObj name="Equation" r:id="rId4" imgW="5669343" imgH="1726982" progId="Equation.DSMT4">
+                <p:oleObj name="Equation" r:id="rId5" imgW="5669343" imgH="1726982" progId="Equation.DSMT4">
                   <p:embed/>
                   <p:pic>
                     <p:nvPicPr>
@@ -33054,7 +33054,7 @@
                       <p:nvPr/>
                     </p:nvPicPr>
                     <p:blipFill>
-                      <a:blip r:embed="rId5"/>
+                      <a:blip r:embed="rId6"/>
                       <a:stretch>
                         <a:fillRect/>
                       </a:stretch>
@@ -33930,12 +33930,12 @@
           <a:graphicData uri="http://schemas.openxmlformats.org/presentationml/2006/ole">
             <mc:AlternateContent xmlns:mc="http://schemas.openxmlformats.org/markup-compatibility/2006">
               <mc:Choice xmlns:v="urn:schemas-microsoft-com:vml" Requires="v">
-                <p:oleObj name="Equation" r:id="rId2" imgW="596880" imgH="393480" progId="Equation.DSMT4">
+                <p:oleObj spid="_x0000_s3073" name="Equation" r:id="rId3" imgW="596880" imgH="393480" progId="Equation.DSMT4">
                   <p:embed/>
                 </p:oleObj>
               </mc:Choice>
               <mc:Fallback>
-                <p:oleObj name="Equation" r:id="rId2" imgW="596880" imgH="393480" progId="Equation.DSMT4">
+                <p:oleObj name="Equation" r:id="rId3" imgW="596880" imgH="393480" progId="Equation.DSMT4">
                   <p:embed/>
                   <p:pic>
                     <p:nvPicPr>
@@ -33950,7 +33950,7 @@
                       <p:nvPr/>
                     </p:nvPicPr>
                     <p:blipFill>
-                      <a:blip r:embed="rId3"/>
+                      <a:blip r:embed="rId4"/>
                       <a:stretch>
                         <a:fillRect/>
                       </a:stretch>
@@ -34125,12 +34125,12 @@
           <a:graphicData uri="http://schemas.openxmlformats.org/presentationml/2006/ole">
             <mc:AlternateContent xmlns:mc="http://schemas.openxmlformats.org/markup-compatibility/2006">
               <mc:Choice xmlns:v="urn:schemas-microsoft-com:vml" Requires="v">
-                <p:oleObj name="Equation" r:id="rId4" imgW="5323357" imgH="820109" progId="Equation.DSMT4">
+                <p:oleObj spid="_x0000_s3074" name="Equation" r:id="rId5" imgW="5323357" imgH="820109" progId="Equation.DSMT4">
                   <p:embed/>
                 </p:oleObj>
               </mc:Choice>
               <mc:Fallback>
-                <p:oleObj name="Equation" r:id="rId4" imgW="5323357" imgH="820109" progId="Equation.DSMT4">
+                <p:oleObj name="Equation" r:id="rId5" imgW="5323357" imgH="820109" progId="Equation.DSMT4">
                   <p:embed/>
                   <p:pic>
                     <p:nvPicPr>
@@ -34145,7 +34145,7 @@
                       <p:nvPr/>
                     </p:nvPicPr>
                     <p:blipFill>
-                      <a:blip r:embed="rId5"/>
+                      <a:blip r:embed="rId6"/>
                       <a:stretch>
                         <a:fillRect/>
                       </a:stretch>
@@ -34508,12 +34508,12 @@
           <a:graphicData uri="http://schemas.openxmlformats.org/presentationml/2006/ole">
             <mc:AlternateContent xmlns:mc="http://schemas.openxmlformats.org/markup-compatibility/2006">
               <mc:Choice xmlns:v="urn:schemas-microsoft-com:vml" Requires="v">
-                <p:oleObj name="Equation" r:id="rId6" imgW="622080" imgH="393480" progId="Equation.DSMT4">
+                <p:oleObj spid="_x0000_s3075" name="Equation" r:id="rId7" imgW="622080" imgH="393480" progId="Equation.DSMT4">
                   <p:embed/>
                 </p:oleObj>
               </mc:Choice>
               <mc:Fallback>
-                <p:oleObj name="Equation" r:id="rId6" imgW="622080" imgH="393480" progId="Equation.DSMT4">
+                <p:oleObj name="Equation" r:id="rId7" imgW="622080" imgH="393480" progId="Equation.DSMT4">
                   <p:embed/>
                   <p:pic>
                     <p:nvPicPr>
@@ -34528,7 +34528,7 @@
                       <p:nvPr/>
                     </p:nvPicPr>
                     <p:blipFill>
-                      <a:blip r:embed="rId7"/>
+                      <a:blip r:embed="rId8"/>
                       <a:stretch>
                         <a:fillRect/>
                       </a:stretch>
@@ -34577,12 +34577,12 @@
           <a:graphicData uri="http://schemas.openxmlformats.org/presentationml/2006/ole">
             <mc:AlternateContent xmlns:mc="http://schemas.openxmlformats.org/markup-compatibility/2006">
               <mc:Choice xmlns:v="urn:schemas-microsoft-com:vml" Requires="v">
-                <p:oleObj name="Equation" r:id="rId8" imgW="622080" imgH="406080" progId="Equation.DSMT4">
+                <p:oleObj spid="_x0000_s3076" name="Equation" r:id="rId9" imgW="622080" imgH="406080" progId="Equation.DSMT4">
                   <p:embed/>
                 </p:oleObj>
               </mc:Choice>
               <mc:Fallback>
-                <p:oleObj name="Equation" r:id="rId8" imgW="622080" imgH="406080" progId="Equation.DSMT4">
+                <p:oleObj name="Equation" r:id="rId9" imgW="622080" imgH="406080" progId="Equation.DSMT4">
                   <p:embed/>
                   <p:pic>
                     <p:nvPicPr>
@@ -34597,7 +34597,7 @@
                       <p:nvPr/>
                     </p:nvPicPr>
                     <p:blipFill>
-                      <a:blip r:embed="rId9"/>
+                      <a:blip r:embed="rId10"/>
                       <a:stretch>
                         <a:fillRect/>
                       </a:stretch>
@@ -34646,12 +34646,12 @@
           <a:graphicData uri="http://schemas.openxmlformats.org/presentationml/2006/ole">
             <mc:AlternateContent xmlns:mc="http://schemas.openxmlformats.org/markup-compatibility/2006">
               <mc:Choice xmlns:v="urn:schemas-microsoft-com:vml" Requires="v">
-                <p:oleObj name="Equation" r:id="rId10" imgW="5366200" imgH="460457" progId="Equation.DSMT4">
+                <p:oleObj spid="_x0000_s3077" name="Equation" r:id="rId11" imgW="5366200" imgH="460457" progId="Equation.DSMT4">
                   <p:embed/>
                 </p:oleObj>
               </mc:Choice>
               <mc:Fallback>
-                <p:oleObj name="Equation" r:id="rId10" imgW="5366200" imgH="460457" progId="Equation.DSMT4">
+                <p:oleObj name="Equation" r:id="rId11" imgW="5366200" imgH="460457" progId="Equation.DSMT4">
                   <p:embed/>
                   <p:pic>
                     <p:nvPicPr>
@@ -34666,7 +34666,7 @@
                       <p:nvPr/>
                     </p:nvPicPr>
                     <p:blipFill>
-                      <a:blip r:embed="rId11"/>
+                      <a:blip r:embed="rId12"/>
                       <a:stretch>
                         <a:fillRect/>
                       </a:stretch>
@@ -34715,12 +34715,12 @@
           <a:graphicData uri="http://schemas.openxmlformats.org/presentationml/2006/ole">
             <mc:AlternateContent xmlns:mc="http://schemas.openxmlformats.org/markup-compatibility/2006">
               <mc:Choice xmlns:v="urn:schemas-microsoft-com:vml" Requires="v">
-                <p:oleObj name="Equation" r:id="rId12" imgW="177480" imgH="101520" progId="Equation.DSMT4">
+                <p:oleObj spid="_x0000_s3078" name="Equation" r:id="rId13" imgW="177480" imgH="101520" progId="Equation.DSMT4">
                   <p:embed/>
                 </p:oleObj>
               </mc:Choice>
               <mc:Fallback>
-                <p:oleObj name="Equation" r:id="rId12" imgW="177480" imgH="101520" progId="Equation.DSMT4">
+                <p:oleObj name="Equation" r:id="rId13" imgW="177480" imgH="101520" progId="Equation.DSMT4">
                   <p:embed/>
                   <p:pic>
                     <p:nvPicPr>
@@ -34735,7 +34735,7 @@
                       <p:nvPr/>
                     </p:nvPicPr>
                     <p:blipFill>
-                      <a:blip r:embed="rId13"/>
+                      <a:blip r:embed="rId14"/>
                       <a:stretch>
                         <a:fillRect/>
                       </a:stretch>
@@ -35592,7 +35592,7 @@
       <p:sp>
         <p:nvSpPr>
           <p:cNvPr id="45058" name="Rectangle 20">
-            <a:hlinkClick r:id="rId2" action="ppaction://hlinksldjump"/>
+            <a:hlinkClick r:id="rId3" action="ppaction://hlinksldjump"/>
             <a:extLst>
               <a:ext uri="{FF2B5EF4-FFF2-40B4-BE49-F238E27FC236}">
                 <a16:creationId xmlns:a16="http://schemas.microsoft.com/office/drawing/2014/main" id="{6ED1EF79-A7DA-43D6-9844-52236878D557}"/>
@@ -36175,12 +36175,12 @@
           <a:graphicData uri="http://schemas.openxmlformats.org/presentationml/2006/ole">
             <mc:AlternateContent xmlns:mc="http://schemas.openxmlformats.org/markup-compatibility/2006">
               <mc:Choice xmlns:v="urn:schemas-microsoft-com:vml" Requires="v">
-                <p:oleObj name="Equation" r:id="rId3" imgW="5366200" imgH="460457" progId="Equation.DSMT4">
+                <p:oleObj spid="_x0000_s4097" name="Equation" r:id="rId4" imgW="5366200" imgH="460457" progId="Equation.DSMT4">
                   <p:embed/>
                 </p:oleObj>
               </mc:Choice>
               <mc:Fallback>
-                <p:oleObj name="Equation" r:id="rId3" imgW="5366200" imgH="460457" progId="Equation.DSMT4">
+                <p:oleObj name="Equation" r:id="rId4" imgW="5366200" imgH="460457" progId="Equation.DSMT4">
                   <p:embed/>
                   <p:pic>
                     <p:nvPicPr>
@@ -36195,7 +36195,7 @@
                       <p:nvPr/>
                     </p:nvPicPr>
                     <p:blipFill>
-                      <a:blip r:embed="rId4"/>
+                      <a:blip r:embed="rId5"/>
                       <a:stretch>
                         <a:fillRect/>
                       </a:stretch>
@@ -36245,18 +36245,53 @@
           <a:lstStyle/>
           <a:p>
             <a:r>
-              <a:rPr lang="zh-CN" altLang="en-US" b="1">
+              <a:rPr lang="zh-CN" altLang="en-US" b="1" dirty="0">
                 <a:latin typeface="华文中宋" panose="02010600040101010101" pitchFamily="2" charset="-122"/>
                 <a:ea typeface="华文中宋" panose="02010600040101010101" pitchFamily="2" charset="-122"/>
               </a:rPr>
               <a:t>将</a:t>
+            </a:r>
+            <a:r>
+              <a:rPr lang="en-US" altLang="zh-CN" b="1" i="1" dirty="0" err="1">
+                <a:ea typeface="华文中宋" panose="02010600040101010101" pitchFamily="2" charset="-122"/>
+                <a:cs typeface="Times New Roman" panose="02020603050405020304" pitchFamily="18" charset="0"/>
+              </a:rPr>
+              <a:t>D</a:t>
+            </a:r>
+            <a:r>
+              <a:rPr lang="en-US" altLang="zh-CN" b="1" i="1" baseline="-25000" dirty="0" err="1">
+                <a:ea typeface="华文中宋" panose="02010600040101010101" pitchFamily="2" charset="-122"/>
+                <a:cs typeface="Times New Roman" panose="02020603050405020304" pitchFamily="18" charset="0"/>
+              </a:rPr>
+              <a:t>j</a:t>
             </a:r>
             <a:r>
               <a:rPr lang="en-US" altLang="zh-CN" b="1" i="1">
                 <a:ea typeface="华文中宋" panose="02010600040101010101" pitchFamily="2" charset="-122"/>
                 <a:cs typeface="Times New Roman" panose="02020603050405020304" pitchFamily="18" charset="0"/>
               </a:rPr>
-              <a:t>D</a:t>
+              <a:t>=b</a:t>
+            </a:r>
+            <a:r>
+              <a:rPr lang="en-US" altLang="zh-CN" b="1" baseline="-25000">
+                <a:ea typeface="华文中宋" panose="02010600040101010101" pitchFamily="2" charset="-122"/>
+                <a:cs typeface="Times New Roman" panose="02020603050405020304" pitchFamily="18" charset="0"/>
+              </a:rPr>
+              <a:t>1</a:t>
+            </a:r>
+            <a:r>
+              <a:rPr lang="en-US" altLang="zh-CN" b="1" i="1">
+                <a:ea typeface="华文中宋" panose="02010600040101010101" pitchFamily="2" charset="-122"/>
+                <a:cs typeface="Times New Roman" panose="02020603050405020304" pitchFamily="18" charset="0"/>
+              </a:rPr>
+              <a:t>A</a:t>
+            </a:r>
+            <a:r>
+              <a:rPr lang="en-US" altLang="zh-CN" b="1" baseline="-25000">
+                <a:ea typeface="华文中宋" panose="02010600040101010101" pitchFamily="2" charset="-122"/>
+                <a:cs typeface="Times New Roman" panose="02020603050405020304" pitchFamily="18" charset="0"/>
+              </a:rPr>
+              <a:t>1</a:t>
             </a:r>
             <a:r>
               <a:rPr lang="en-US" altLang="zh-CN" b="1" i="1" baseline="-25000">
@@ -36270,14 +36305,14 @@
                 <a:ea typeface="华文中宋" panose="02010600040101010101" pitchFamily="2" charset="-122"/>
                 <a:cs typeface="Times New Roman" panose="02020603050405020304" pitchFamily="18" charset="0"/>
               </a:rPr>
-              <a:t>=b</a:t>
+              <a:t>+b</a:t>
             </a:r>
             <a:r>
               <a:rPr lang="en-US" altLang="zh-CN" b="1" baseline="-25000">
                 <a:ea typeface="华文中宋" panose="02010600040101010101" pitchFamily="2" charset="-122"/>
                 <a:cs typeface="Times New Roman" panose="02020603050405020304" pitchFamily="18" charset="0"/>
               </a:rPr>
-              <a:t>1</a:t>
+              <a:t>2</a:t>
             </a:r>
             <a:r>
               <a:rPr lang="en-US" altLang="zh-CN" b="1" i="1">
@@ -36305,112 +36340,77 @@
                 <a:ea typeface="华文中宋" panose="02010600040101010101" pitchFamily="2" charset="-122"/>
                 <a:cs typeface="Times New Roman" panose="02020603050405020304" pitchFamily="18" charset="0"/>
               </a:rPr>
-              <a:t>+b</a:t>
-            </a:r>
-            <a:r>
-              <a:rPr lang="en-US" altLang="zh-CN" b="1" baseline="-25000">
+              <a:t>+…+</a:t>
+            </a:r>
+            <a:r>
+              <a:rPr lang="en-US" altLang="zh-CN" b="1" i="1" dirty="0" err="1">
                 <a:ea typeface="华文中宋" panose="02010600040101010101" pitchFamily="2" charset="-122"/>
                 <a:cs typeface="Times New Roman" panose="02020603050405020304" pitchFamily="18" charset="0"/>
               </a:rPr>
-              <a:t>2</a:t>
-            </a:r>
-            <a:r>
-              <a:rPr lang="en-US" altLang="zh-CN" b="1" i="1">
+              <a:t>b</a:t>
+            </a:r>
+            <a:r>
+              <a:rPr lang="en-US" altLang="zh-CN" b="1" i="1" baseline="-25000" dirty="0" err="1">
                 <a:ea typeface="华文中宋" panose="02010600040101010101" pitchFamily="2" charset="-122"/>
                 <a:cs typeface="Times New Roman" panose="02020603050405020304" pitchFamily="18" charset="0"/>
               </a:rPr>
-              <a:t>A</a:t>
-            </a:r>
-            <a:r>
-              <a:rPr lang="en-US" altLang="zh-CN" b="1" baseline="-25000">
+              <a:t>n</a:t>
+            </a:r>
+            <a:r>
+              <a:rPr lang="en-US" altLang="zh-CN" b="1" i="1" dirty="0" err="1">
                 <a:ea typeface="华文中宋" panose="02010600040101010101" pitchFamily="2" charset="-122"/>
                 <a:cs typeface="Times New Roman" panose="02020603050405020304" pitchFamily="18" charset="0"/>
               </a:rPr>
-              <a:t>2</a:t>
-            </a:r>
-            <a:r>
-              <a:rPr lang="en-US" altLang="zh-CN" b="1" i="1" baseline="-25000">
+              <a:t>A</a:t>
+            </a:r>
+            <a:r>
+              <a:rPr lang="en-US" altLang="zh-CN" b="1" i="1" baseline="-25000" dirty="0" err="1">
                 <a:ea typeface="华文中宋" panose="02010600040101010101" pitchFamily="2" charset="-122"/>
                 <a:cs typeface="Times New Roman" panose="02020603050405020304" pitchFamily="18" charset="0"/>
               </a:rPr>
-              <a:t>j</a:t>
-            </a:r>
-            <a:r>
-              <a:rPr lang="en-US" altLang="zh-CN" b="1" i="1">
+              <a:t>nj</a:t>
+            </a:r>
+            <a:r>
+              <a:rPr lang="en-US" altLang="zh-CN" b="1" i="1" dirty="0">
                 <a:ea typeface="华文中宋" panose="02010600040101010101" pitchFamily="2" charset="-122"/>
                 <a:cs typeface="Times New Roman" panose="02020603050405020304" pitchFamily="18" charset="0"/>
               </a:rPr>
-              <a:t>+…+b</a:t>
-            </a:r>
-            <a:r>
-              <a:rPr lang="en-US" altLang="zh-CN" b="1" i="1" baseline="-25000">
+              <a:t>,(j=</a:t>
+            </a:r>
+            <a:r>
+              <a:rPr lang="en-US" altLang="zh-CN" b="1" dirty="0">
                 <a:ea typeface="华文中宋" panose="02010600040101010101" pitchFamily="2" charset="-122"/>
                 <a:cs typeface="Times New Roman" panose="02020603050405020304" pitchFamily="18" charset="0"/>
               </a:rPr>
-              <a:t>n</a:t>
-            </a:r>
-            <a:r>
-              <a:rPr lang="en-US" altLang="zh-CN" b="1" i="1">
+              <a:t>1</a:t>
+            </a:r>
+            <a:r>
+              <a:rPr lang="en-US" altLang="zh-CN" b="1" i="1" dirty="0">
                 <a:ea typeface="华文中宋" panose="02010600040101010101" pitchFamily="2" charset="-122"/>
                 <a:cs typeface="Times New Roman" panose="02020603050405020304" pitchFamily="18" charset="0"/>
               </a:rPr>
-              <a:t>A</a:t>
-            </a:r>
-            <a:r>
-              <a:rPr lang="en-US" altLang="zh-CN" b="1" i="1" baseline="-25000">
+              <a:t>,</a:t>
+            </a:r>
+            <a:r>
+              <a:rPr lang="en-US" altLang="zh-CN" b="1" dirty="0">
                 <a:ea typeface="华文中宋" panose="02010600040101010101" pitchFamily="2" charset="-122"/>
                 <a:cs typeface="Times New Roman" panose="02020603050405020304" pitchFamily="18" charset="0"/>
               </a:rPr>
-              <a:t>nj</a:t>
-            </a:r>
-            <a:r>
-              <a:rPr lang="en-US" altLang="zh-CN" b="1" i="1">
+              <a:t>2</a:t>
+            </a:r>
+            <a:r>
+              <a:rPr lang="en-US" altLang="zh-CN" b="1" i="1" dirty="0">
                 <a:ea typeface="华文中宋" panose="02010600040101010101" pitchFamily="2" charset="-122"/>
                 <a:cs typeface="Times New Roman" panose="02020603050405020304" pitchFamily="18" charset="0"/>
               </a:rPr>
-              <a:t>,(j=</a:t>
-            </a:r>
-            <a:r>
-              <a:rPr lang="en-US" altLang="zh-CN" b="1">
-                <a:ea typeface="华文中宋" panose="02010600040101010101" pitchFamily="2" charset="-122"/>
-                <a:cs typeface="Times New Roman" panose="02020603050405020304" pitchFamily="18" charset="0"/>
-              </a:rPr>
-              <a:t>1</a:t>
-            </a:r>
-            <a:r>
-              <a:rPr lang="en-US" altLang="zh-CN" b="1" i="1">
-                <a:ea typeface="华文中宋" panose="02010600040101010101" pitchFamily="2" charset="-122"/>
-                <a:cs typeface="Times New Roman" panose="02020603050405020304" pitchFamily="18" charset="0"/>
-              </a:rPr>
-              <a:t>,</a:t>
-            </a:r>
-            <a:r>
-              <a:rPr lang="en-US" altLang="zh-CN" b="1">
-                <a:ea typeface="华文中宋" panose="02010600040101010101" pitchFamily="2" charset="-122"/>
-                <a:cs typeface="Times New Roman" panose="02020603050405020304" pitchFamily="18" charset="0"/>
-              </a:rPr>
-              <a:t>2</a:t>
-            </a:r>
-            <a:r>
-              <a:rPr lang="en-US" altLang="zh-CN" b="1" i="1">
-                <a:ea typeface="华文中宋" panose="02010600040101010101" pitchFamily="2" charset="-122"/>
-                <a:cs typeface="Times New Roman" panose="02020603050405020304" pitchFamily="18" charset="0"/>
-              </a:rPr>
               <a:t>,…,n)</a:t>
-            </a:r>
-            <a:r>
-              <a:rPr lang="zh-CN" altLang="en-US" b="1">
-                <a:latin typeface="华文中宋" panose="02010600040101010101" pitchFamily="2" charset="-122"/>
-                <a:ea typeface="华文中宋" panose="02010600040101010101" pitchFamily="2" charset="-122"/>
-              </a:rPr>
-              <a:t>代入</a:t>
             </a:r>
             <a:r>
               <a:rPr lang="zh-CN" altLang="en-US" b="1" dirty="0">
                 <a:latin typeface="华文中宋" panose="02010600040101010101" pitchFamily="2" charset="-122"/>
                 <a:ea typeface="华文中宋" panose="02010600040101010101" pitchFamily="2" charset="-122"/>
               </a:rPr>
-              <a:t>上式左端得</a:t>
+              <a:t>代入上式左端得</a:t>
             </a:r>
             <a:r>
               <a:rPr lang="en-US" altLang="zh-CN" b="1" dirty="0">
@@ -36454,12 +36454,12 @@
           <a:graphicData uri="http://schemas.openxmlformats.org/presentationml/2006/ole">
             <mc:AlternateContent xmlns:mc="http://schemas.openxmlformats.org/markup-compatibility/2006">
               <mc:Choice xmlns:v="urn:schemas-microsoft-com:vml" Requires="v">
-                <p:oleObj name="Equation" r:id="rId5" imgW="1638000" imgH="228600" progId="Equation.DSMT4">
+                <p:oleObj spid="_x0000_s4098" name="Equation" r:id="rId6" imgW="1638000" imgH="228600" progId="Equation.DSMT4">
                   <p:embed/>
                 </p:oleObj>
               </mc:Choice>
               <mc:Fallback>
-                <p:oleObj name="Equation" r:id="rId5" imgW="1638000" imgH="228600" progId="Equation.DSMT4">
+                <p:oleObj name="Equation" r:id="rId6" imgW="1638000" imgH="228600" progId="Equation.DSMT4">
                   <p:embed/>
                   <p:pic>
                     <p:nvPicPr>
@@ -36476,7 +36476,7 @@
                       <p:nvPr/>
                     </p:nvPicPr>
                     <p:blipFill>
-                      <a:blip r:embed="rId6"/>
+                      <a:blip r:embed="rId7"/>
                       <a:srcRect/>
                       <a:stretch>
                         <a:fillRect/>
@@ -36607,12 +36607,12 @@
           <a:graphicData uri="http://schemas.openxmlformats.org/presentationml/2006/ole">
             <mc:AlternateContent xmlns:mc="http://schemas.openxmlformats.org/markup-compatibility/2006">
               <mc:Choice xmlns:v="urn:schemas-microsoft-com:vml" Requires="v">
-                <p:oleObj name="Equation" r:id="rId7" imgW="4813200" imgH="228600" progId="Equation.DSMT4">
+                <p:oleObj spid="_x0000_s4099" name="Equation" r:id="rId8" imgW="4813200" imgH="228600" progId="Equation.DSMT4">
                   <p:embed/>
                 </p:oleObj>
               </mc:Choice>
               <mc:Fallback>
-                <p:oleObj name="Equation" r:id="rId7" imgW="4813200" imgH="228600" progId="Equation.DSMT4">
+                <p:oleObj name="Equation" r:id="rId8" imgW="4813200" imgH="228600" progId="Equation.DSMT4">
                   <p:embed/>
                   <p:pic>
                     <p:nvPicPr>
@@ -36629,7 +36629,7 @@
                       <p:nvPr/>
                     </p:nvPicPr>
                     <p:blipFill>
-                      <a:blip r:embed="rId8"/>
+                      <a:blip r:embed="rId9"/>
                       <a:srcRect/>
                       <a:stretch>
                         <a:fillRect/>
@@ -36683,12 +36683,12 @@
           <a:graphicData uri="http://schemas.openxmlformats.org/presentationml/2006/ole">
             <mc:AlternateContent xmlns:mc="http://schemas.openxmlformats.org/markup-compatibility/2006">
               <mc:Choice xmlns:v="urn:schemas-microsoft-com:vml" Requires="v">
-                <p:oleObj name="Equation" r:id="rId9" imgW="4711680" imgH="457200" progId="Equation.DSMT4">
+                <p:oleObj spid="_x0000_s4100" name="Equation" r:id="rId10" imgW="4711680" imgH="457200" progId="Equation.DSMT4">
                   <p:embed/>
                 </p:oleObj>
               </mc:Choice>
               <mc:Fallback>
-                <p:oleObj name="Equation" r:id="rId9" imgW="4711680" imgH="457200" progId="Equation.DSMT4">
+                <p:oleObj name="Equation" r:id="rId10" imgW="4711680" imgH="457200" progId="Equation.DSMT4">
                   <p:embed/>
                   <p:pic>
                     <p:nvPicPr>
@@ -36705,7 +36705,7 @@
                       <p:nvPr/>
                     </p:nvPicPr>
                     <p:blipFill>
-                      <a:blip r:embed="rId10"/>
+                      <a:blip r:embed="rId11"/>
                       <a:srcRect/>
                       <a:stretch>
                         <a:fillRect/>
@@ -36759,12 +36759,12 @@
           <a:graphicData uri="http://schemas.openxmlformats.org/presentationml/2006/ole">
             <mc:AlternateContent xmlns:mc="http://schemas.openxmlformats.org/markup-compatibility/2006">
               <mc:Choice xmlns:v="urn:schemas-microsoft-com:vml" Requires="v">
-                <p:oleObj name="Equation" r:id="rId11" imgW="431640" imgH="228600" progId="Equation.DSMT4">
+                <p:oleObj spid="_x0000_s4101" name="Equation" r:id="rId12" imgW="431640" imgH="228600" progId="Equation.DSMT4">
                   <p:embed/>
                 </p:oleObj>
               </mc:Choice>
               <mc:Fallback>
-                <p:oleObj name="Equation" r:id="rId11" imgW="431640" imgH="228600" progId="Equation.DSMT4">
+                <p:oleObj name="Equation" r:id="rId12" imgW="431640" imgH="228600" progId="Equation.DSMT4">
                   <p:embed/>
                   <p:pic>
                     <p:nvPicPr>
@@ -36781,7 +36781,7 @@
                       <p:nvPr/>
                     </p:nvPicPr>
                     <p:blipFill>
-                      <a:blip r:embed="rId12"/>
+                      <a:blip r:embed="rId13"/>
                       <a:srcRect/>
                       <a:stretch>
                         <a:fillRect/>
@@ -37603,12 +37603,12 @@
           <a:graphicData uri="http://schemas.openxmlformats.org/presentationml/2006/ole">
             <mc:AlternateContent xmlns:mc="http://schemas.openxmlformats.org/markup-compatibility/2006">
               <mc:Choice xmlns:v="urn:schemas-microsoft-com:vml" Requires="v">
-                <p:oleObj name="Equation" r:id="rId2" imgW="3390840" imgH="469800" progId="Equation.DSMT4">
+                <p:oleObj spid="_x0000_s5121" name="Equation" r:id="rId3" imgW="3390840" imgH="469800" progId="Equation.DSMT4">
                   <p:embed/>
                 </p:oleObj>
               </mc:Choice>
               <mc:Fallback>
-                <p:oleObj name="Equation" r:id="rId2" imgW="3390840" imgH="469800" progId="Equation.DSMT4">
+                <p:oleObj name="Equation" r:id="rId3" imgW="3390840" imgH="469800" progId="Equation.DSMT4">
                   <p:embed/>
                   <p:pic>
                     <p:nvPicPr>
@@ -37625,7 +37625,7 @@
                       <p:nvPr/>
                     </p:nvPicPr>
                     <p:blipFill>
-                      <a:blip r:embed="rId3"/>
+                      <a:blip r:embed="rId4"/>
                       <a:srcRect/>
                       <a:stretch>
                         <a:fillRect/>
@@ -37698,12 +37698,12 @@
           <a:graphicData uri="http://schemas.openxmlformats.org/presentationml/2006/ole">
             <mc:AlternateContent xmlns:mc="http://schemas.openxmlformats.org/markup-compatibility/2006">
               <mc:Choice xmlns:v="urn:schemas-microsoft-com:vml" Requires="v">
-                <p:oleObj name="Equation" r:id="rId4" imgW="1536480" imgH="419040" progId="Equation.DSMT4">
+                <p:oleObj spid="_x0000_s5122" name="Equation" r:id="rId5" imgW="1536480" imgH="419040" progId="Equation.DSMT4">
                   <p:embed/>
                 </p:oleObj>
               </mc:Choice>
               <mc:Fallback>
-                <p:oleObj name="Equation" r:id="rId4" imgW="1536480" imgH="419040" progId="Equation.DSMT4">
+                <p:oleObj name="Equation" r:id="rId5" imgW="1536480" imgH="419040" progId="Equation.DSMT4">
                   <p:embed/>
                   <p:pic>
                     <p:nvPicPr>
@@ -37720,7 +37720,7 @@
                       <p:nvPr/>
                     </p:nvPicPr>
                     <p:blipFill>
-                      <a:blip r:embed="rId5"/>
+                      <a:blip r:embed="rId6"/>
                       <a:srcRect/>
                       <a:stretch>
                         <a:fillRect/>
@@ -38020,12 +38020,12 @@
           <a:graphicData uri="http://schemas.openxmlformats.org/presentationml/2006/ole">
             <mc:AlternateContent xmlns:mc="http://schemas.openxmlformats.org/markup-compatibility/2006">
               <mc:Choice xmlns:v="urn:schemas-microsoft-com:vml" Requires="v">
-                <p:oleObj name="Equation" r:id="rId6" imgW="723600" imgH="469800" progId="Equation.DSMT4">
+                <p:oleObj spid="_x0000_s5123" name="Equation" r:id="rId7" imgW="723600" imgH="469800" progId="Equation.DSMT4">
                   <p:embed/>
                 </p:oleObj>
               </mc:Choice>
               <mc:Fallback>
-                <p:oleObj name="Equation" r:id="rId6" imgW="723600" imgH="469800" progId="Equation.DSMT4">
+                <p:oleObj name="Equation" r:id="rId7" imgW="723600" imgH="469800" progId="Equation.DSMT4">
                   <p:embed/>
                   <p:pic>
                     <p:nvPicPr>
@@ -38042,7 +38042,7 @@
                       <p:nvPr/>
                     </p:nvPicPr>
                     <p:blipFill>
-                      <a:blip r:embed="rId7"/>
+                      <a:blip r:embed="rId8"/>
                       <a:srcRect/>
                       <a:stretch>
                         <a:fillRect/>
@@ -38902,7 +38902,7 @@
       <p:sp>
         <p:nvSpPr>
           <p:cNvPr id="45058" name="Rectangle 20">
-            <a:hlinkClick r:id="rId2" action="ppaction://hlinksldjump"/>
+            <a:hlinkClick r:id="rId3" action="ppaction://hlinksldjump"/>
             <a:extLst>
               <a:ext uri="{FF2B5EF4-FFF2-40B4-BE49-F238E27FC236}">
                 <a16:creationId xmlns:a16="http://schemas.microsoft.com/office/drawing/2014/main" id="{6ED1EF79-A7DA-43D6-9844-52236878D557}"/>
@@ -39739,7 +39739,7 @@
           <a:graphicData uri="http://schemas.openxmlformats.org/presentationml/2006/ole">
             <mc:AlternateContent xmlns:mc="http://schemas.openxmlformats.org/markup-compatibility/2006">
               <mc:Choice xmlns:v="urn:schemas-microsoft-com:vml" Requires="v">
-                <p:oleObj name="Equation" r:id="rId5" imgW="1993680" imgH="799920" progId="Equation.DSMT4">
+                <p:oleObj spid="_x0000_s6145" name="Equation" r:id="rId5" imgW="1993680" imgH="799920" progId="Equation.DSMT4">
                   <p:embed/>
                 </p:oleObj>
               </mc:Choice>
